--- a/[JAVA]/C3/TA13/ta13.pptx
+++ b/[JAVA]/C3/TA13/ta13.pptx
@@ -9,6 +9,10 @@
     <p:sldId id="257" r:id="rId3"/>
     <p:sldId id="258" r:id="rId4"/>
     <p:sldId id="259" r:id="rId5"/>
+    <p:sldId id="260" r:id="rId6"/>
+    <p:sldId id="261" r:id="rId7"/>
+    <p:sldId id="262" r:id="rId8"/>
+    <p:sldId id="263" r:id="rId9"/>
   </p:sldIdLst>
   <p:sldSz cx="12192000" cy="6858000"/>
   <p:notesSz cx="6858000" cy="9144000"/>
@@ -262,7 +266,7 @@
           <a:p>
             <a:fld id="{C444815F-0780-4F4C-8CAB-34D9B3259EB9}" type="datetimeFigureOut">
               <a:rPr lang="es-ES" smtClean="0"/>
-              <a:t>11/04/2024</a:t>
+              <a:t>12/04/2024</a:t>
             </a:fld>
             <a:endParaRPr lang="es-ES" dirty="0"/>
           </a:p>
@@ -460,7 +464,7 @@
           <a:p>
             <a:fld id="{C444815F-0780-4F4C-8CAB-34D9B3259EB9}" type="datetimeFigureOut">
               <a:rPr lang="es-ES" smtClean="0"/>
-              <a:t>11/04/2024</a:t>
+              <a:t>12/04/2024</a:t>
             </a:fld>
             <a:endParaRPr lang="es-ES" dirty="0"/>
           </a:p>
@@ -668,7 +672,7 @@
           <a:p>
             <a:fld id="{C444815F-0780-4F4C-8CAB-34D9B3259EB9}" type="datetimeFigureOut">
               <a:rPr lang="es-ES" smtClean="0"/>
-              <a:t>11/04/2024</a:t>
+              <a:t>12/04/2024</a:t>
             </a:fld>
             <a:endParaRPr lang="es-ES" dirty="0"/>
           </a:p>
@@ -866,7 +870,7 @@
           <a:p>
             <a:fld id="{C444815F-0780-4F4C-8CAB-34D9B3259EB9}" type="datetimeFigureOut">
               <a:rPr lang="es-ES" smtClean="0"/>
-              <a:t>11/04/2024</a:t>
+              <a:t>12/04/2024</a:t>
             </a:fld>
             <a:endParaRPr lang="es-ES" dirty="0"/>
           </a:p>
@@ -1141,7 +1145,7 @@
           <a:p>
             <a:fld id="{C444815F-0780-4F4C-8CAB-34D9B3259EB9}" type="datetimeFigureOut">
               <a:rPr lang="es-ES" smtClean="0"/>
-              <a:t>11/04/2024</a:t>
+              <a:t>12/04/2024</a:t>
             </a:fld>
             <a:endParaRPr lang="es-ES" dirty="0"/>
           </a:p>
@@ -1406,7 +1410,7 @@
           <a:p>
             <a:fld id="{C444815F-0780-4F4C-8CAB-34D9B3259EB9}" type="datetimeFigureOut">
               <a:rPr lang="es-ES" smtClean="0"/>
-              <a:t>11/04/2024</a:t>
+              <a:t>12/04/2024</a:t>
             </a:fld>
             <a:endParaRPr lang="es-ES" dirty="0"/>
           </a:p>
@@ -1818,7 +1822,7 @@
           <a:p>
             <a:fld id="{C444815F-0780-4F4C-8CAB-34D9B3259EB9}" type="datetimeFigureOut">
               <a:rPr lang="es-ES" smtClean="0"/>
-              <a:t>11/04/2024</a:t>
+              <a:t>12/04/2024</a:t>
             </a:fld>
             <a:endParaRPr lang="es-ES" dirty="0"/>
           </a:p>
@@ -1959,7 +1963,7 @@
           <a:p>
             <a:fld id="{C444815F-0780-4F4C-8CAB-34D9B3259EB9}" type="datetimeFigureOut">
               <a:rPr lang="es-ES" smtClean="0"/>
-              <a:t>11/04/2024</a:t>
+              <a:t>12/04/2024</a:t>
             </a:fld>
             <a:endParaRPr lang="es-ES" dirty="0"/>
           </a:p>
@@ -2072,7 +2076,7 @@
           <a:p>
             <a:fld id="{C444815F-0780-4F4C-8CAB-34D9B3259EB9}" type="datetimeFigureOut">
               <a:rPr lang="es-ES" smtClean="0"/>
-              <a:t>11/04/2024</a:t>
+              <a:t>12/04/2024</a:t>
             </a:fld>
             <a:endParaRPr lang="es-ES" dirty="0"/>
           </a:p>
@@ -2383,7 +2387,7 @@
           <a:p>
             <a:fld id="{C444815F-0780-4F4C-8CAB-34D9B3259EB9}" type="datetimeFigureOut">
               <a:rPr lang="es-ES" smtClean="0"/>
-              <a:t>11/04/2024</a:t>
+              <a:t>12/04/2024</a:t>
             </a:fld>
             <a:endParaRPr lang="es-ES" dirty="0"/>
           </a:p>
@@ -2671,7 +2675,7 @@
           <a:p>
             <a:fld id="{C444815F-0780-4F4C-8CAB-34D9B3259EB9}" type="datetimeFigureOut">
               <a:rPr lang="es-ES" smtClean="0"/>
-              <a:t>11/04/2024</a:t>
+              <a:t>12/04/2024</a:t>
             </a:fld>
             <a:endParaRPr lang="es-ES" dirty="0"/>
           </a:p>
@@ -2912,7 +2916,7 @@
           <a:p>
             <a:fld id="{C444815F-0780-4F4C-8CAB-34D9B3259EB9}" type="datetimeFigureOut">
               <a:rPr lang="es-ES" smtClean="0"/>
-              <a:t>11/04/2024</a:t>
+              <a:t>12/04/2024</a:t>
             </a:fld>
             <a:endParaRPr lang="es-ES" dirty="0"/>
           </a:p>
@@ -4417,12 +4421,8 @@
           </a:p>
           <a:p>
             <a:r>
-              <a:rPr lang="es-ES" dirty="0" err="1"/>
-              <a:t>TrabajaEn</a:t>
-            </a:r>
-            <a:r>
-              <a:rPr lang="es-ES" dirty="0"/>
-              <a:t> (</a:t>
+              <a:rPr lang="es-ES" dirty="0"/>
+              <a:t>TrabajaEn (</a:t>
             </a:r>
             <a:r>
               <a:rPr lang="es-ES" u="sng" dirty="0"/>
@@ -4441,7 +4441,7 @@
               <a:t>, </a:t>
             </a:r>
             <a:r>
-              <a:rPr lang="es-ES" u="sng" dirty="0" err="1"/>
+              <a:rPr lang="es-ES" u="sng" dirty="0"/>
               <a:t>f_inicio</a:t>
             </a:r>
             <a:r>
@@ -4459,12 +4459,8 @@
           </a:p>
           <a:p>
             <a:r>
-              <a:rPr lang="es-ES" dirty="0" err="1"/>
-              <a:t>FormaParteDe</a:t>
-            </a:r>
-            <a:r>
-              <a:rPr lang="es-ES" dirty="0"/>
-              <a:t> (</a:t>
+              <a:rPr lang="es-ES" dirty="0"/>
+              <a:t>FormaParteDe (</a:t>
             </a:r>
             <a:r>
               <a:rPr lang="es-ES" u="sng" dirty="0"/>
@@ -4475,7 +4471,7 @@
               <a:t>, </a:t>
             </a:r>
             <a:r>
-              <a:rPr lang="es-ES" u="sng" dirty="0" err="1"/>
+              <a:rPr lang="es-ES" u="sng" dirty="0"/>
               <a:t>cod_equipo</a:t>
             </a:r>
             <a:r>
@@ -4489,7 +4485,7 @@
               <a:t>Atiende (</a:t>
             </a:r>
             <a:r>
-              <a:rPr lang="es-ES" u="sng" dirty="0" err="1"/>
+              <a:rPr lang="es-ES" u="sng" dirty="0"/>
               <a:t>cod_equipo</a:t>
             </a:r>
             <a:r>
@@ -4667,6 +4663,1314 @@
     <p:extLst>
       <p:ext uri="{BB962C8B-B14F-4D97-AF65-F5344CB8AC3E}">
         <p14:creationId xmlns:p14="http://schemas.microsoft.com/office/powerpoint/2010/main" val="3599291979"/>
+      </p:ext>
+    </p:extLst>
+  </p:cSld>
+  <p:clrMapOvr>
+    <a:masterClrMapping/>
+  </p:clrMapOvr>
+</p:sld>
+</file>
+
+<file path=ppt/slides/slide5.xml><?xml version="1.0" encoding="utf-8"?>
+<p:sld xmlns:a="http://schemas.openxmlformats.org/drawingml/2006/main" xmlns:r="http://schemas.openxmlformats.org/officeDocument/2006/relationships" xmlns:p="http://schemas.openxmlformats.org/presentationml/2006/main">
+  <p:cSld>
+    <p:spTree>
+      <p:nvGrpSpPr>
+        <p:cNvPr id="1" name=""/>
+        <p:cNvGrpSpPr/>
+        <p:nvPr/>
+      </p:nvGrpSpPr>
+      <p:grpSpPr>
+        <a:xfrm>
+          <a:off x="0" y="0"/>
+          <a:ext cx="0" cy="0"/>
+          <a:chOff x="0" y="0"/>
+          <a:chExt cx="0" cy="0"/>
+        </a:xfrm>
+      </p:grpSpPr>
+      <p:sp>
+        <p:nvSpPr>
+          <p:cNvPr id="5" name="CuadroTexto 4">
+            <a:extLst>
+              <a:ext uri="{FF2B5EF4-FFF2-40B4-BE49-F238E27FC236}">
+                <a16:creationId xmlns:a16="http://schemas.microsoft.com/office/drawing/2014/main" id="{F4512FEC-F3A2-2CD3-2304-9BD798AA9278}"/>
+              </a:ext>
+            </a:extLst>
+          </p:cNvPr>
+          <p:cNvSpPr txBox="1"/>
+          <p:nvPr/>
+        </p:nvSpPr>
+        <p:spPr>
+          <a:xfrm>
+            <a:off x="6475435" y="623585"/>
+            <a:ext cx="5716565" cy="2031325"/>
+          </a:xfrm>
+          <a:prstGeom prst="rect">
+            <a:avLst/>
+          </a:prstGeom>
+          <a:noFill/>
+        </p:spPr>
+        <p:txBody>
+          <a:bodyPr wrap="none" rtlCol="0">
+            <a:spAutoFit/>
+          </a:bodyPr>
+          <a:lstStyle/>
+          <a:p>
+            <a:r>
+              <a:rPr lang="es-ES" dirty="0"/>
+              <a:t>Fondo (</a:t>
+            </a:r>
+            <a:r>
+              <a:rPr lang="es-ES" u="sng" dirty="0"/>
+              <a:t>título</a:t>
+            </a:r>
+            <a:r>
+              <a:rPr lang="es-ES" dirty="0"/>
+              <a:t>, </a:t>
+            </a:r>
+            <a:r>
+              <a:rPr lang="es-ES" u="sng" dirty="0"/>
+              <a:t>autor</a:t>
+            </a:r>
+            <a:r>
+              <a:rPr lang="es-ES" dirty="0"/>
+              <a:t>, qty)</a:t>
+            </a:r>
+          </a:p>
+          <a:p>
+            <a:r>
+              <a:rPr lang="es-ES" dirty="0"/>
+              <a:t>Libro (</a:t>
+            </a:r>
+            <a:r>
+              <a:rPr lang="es-ES" u="sng" dirty="0"/>
+              <a:t>signatura</a:t>
+            </a:r>
+            <a:r>
+              <a:rPr lang="es-ES" dirty="0"/>
+              <a:t>, disponible)</a:t>
+            </a:r>
+          </a:p>
+          <a:p>
+            <a:r>
+              <a:rPr lang="es-ES" dirty="0"/>
+              <a:t>Pres_S (</a:t>
+            </a:r>
+            <a:r>
+              <a:rPr lang="es-ES" u="sng" dirty="0"/>
+              <a:t>#prestamo</a:t>
+            </a:r>
+            <a:r>
+              <a:rPr lang="es-ES" dirty="0"/>
+              <a:t>, fecha_préstamo)</a:t>
+            </a:r>
+          </a:p>
+          <a:p>
+            <a:r>
+              <a:rPr lang="es-ES" dirty="0"/>
+              <a:t>Pres_E (</a:t>
+            </a:r>
+            <a:r>
+              <a:rPr lang="es-ES" u="sng" dirty="0"/>
+              <a:t>#prestamo</a:t>
+            </a:r>
+            <a:r>
+              <a:rPr lang="es-ES" dirty="0"/>
+              <a:t>, fecha_préstamo, fecha_devolución)</a:t>
+            </a:r>
+          </a:p>
+          <a:p>
+            <a:r>
+              <a:rPr lang="es-ES" dirty="0"/>
+              <a:t>Socios (</a:t>
+            </a:r>
+            <a:r>
+              <a:rPr lang="es-ES" u="sng" dirty="0"/>
+              <a:t>#socio</a:t>
+            </a:r>
+            <a:r>
+              <a:rPr lang="es-ES" dirty="0"/>
+              <a:t>, nom, apellidos, teléfono, fecha_cad)</a:t>
+            </a:r>
+          </a:p>
+          <a:p>
+            <a:r>
+              <a:rPr lang="es-ES" dirty="0"/>
+              <a:t>Sanción (</a:t>
+            </a:r>
+            <a:r>
+              <a:rPr lang="es-ES" u="sng" dirty="0"/>
+              <a:t>#días</a:t>
+            </a:r>
+            <a:r>
+              <a:rPr lang="es-ES" dirty="0"/>
+              <a:t>)</a:t>
+            </a:r>
+          </a:p>
+          <a:p>
+            <a:endParaRPr lang="es-ES" dirty="0"/>
+          </a:p>
+        </p:txBody>
+      </p:sp>
+      <p:sp>
+        <p:nvSpPr>
+          <p:cNvPr id="6" name="CuadroTexto 5">
+            <a:extLst>
+              <a:ext uri="{FF2B5EF4-FFF2-40B4-BE49-F238E27FC236}">
+                <a16:creationId xmlns:a16="http://schemas.microsoft.com/office/drawing/2014/main" id="{9E2D9CA4-EE8A-E80D-BA1F-680F99EFFAA5}"/>
+              </a:ext>
+            </a:extLst>
+          </p:cNvPr>
+          <p:cNvSpPr txBox="1"/>
+          <p:nvPr/>
+        </p:nvSpPr>
+        <p:spPr>
+          <a:xfrm>
+            <a:off x="6554093" y="3764670"/>
+            <a:ext cx="3056799" cy="1200329"/>
+          </a:xfrm>
+          <a:prstGeom prst="rect">
+            <a:avLst/>
+          </a:prstGeom>
+          <a:noFill/>
+        </p:spPr>
+        <p:txBody>
+          <a:bodyPr wrap="none" rtlCol="0">
+            <a:spAutoFit/>
+          </a:bodyPr>
+          <a:lstStyle/>
+          <a:p>
+            <a:r>
+              <a:rPr lang="es-ES" dirty="0"/>
+              <a:t>Hay (</a:t>
+            </a:r>
+            <a:r>
+              <a:rPr lang="es-ES" u="sng" dirty="0"/>
+              <a:t>título</a:t>
+            </a:r>
+            <a:r>
+              <a:rPr lang="es-ES" dirty="0"/>
+              <a:t>, </a:t>
+            </a:r>
+            <a:r>
+              <a:rPr lang="es-ES" u="sng" dirty="0"/>
+              <a:t>autor</a:t>
+            </a:r>
+            <a:r>
+              <a:rPr lang="es-ES" dirty="0"/>
+              <a:t>, </a:t>
+            </a:r>
+            <a:r>
+              <a:rPr lang="es-ES" u="sng" dirty="0"/>
+              <a:t>signatura</a:t>
+            </a:r>
+            <a:r>
+              <a:rPr lang="es-ES" dirty="0"/>
+              <a:t>)</a:t>
+            </a:r>
+          </a:p>
+          <a:p>
+            <a:r>
+              <a:rPr lang="es-ES" dirty="0"/>
+              <a:t>Es_De(</a:t>
+            </a:r>
+            <a:r>
+              <a:rPr lang="es-ES" u="sng" dirty="0"/>
+              <a:t>#prestamo</a:t>
+            </a:r>
+            <a:r>
+              <a:rPr lang="es-ES" dirty="0"/>
+              <a:t>, </a:t>
+            </a:r>
+            <a:r>
+              <a:rPr lang="es-ES" u="sng" dirty="0"/>
+              <a:t>signatura</a:t>
+            </a:r>
+            <a:r>
+              <a:rPr lang="es-ES" dirty="0"/>
+              <a:t>)</a:t>
+            </a:r>
+          </a:p>
+          <a:p>
+            <a:r>
+              <a:rPr lang="es-ES" dirty="0"/>
+              <a:t>Realiza (</a:t>
+            </a:r>
+            <a:r>
+              <a:rPr lang="es-ES" u="sng" dirty="0"/>
+              <a:t>#socio</a:t>
+            </a:r>
+            <a:r>
+              <a:rPr lang="es-ES" dirty="0"/>
+              <a:t>, </a:t>
+            </a:r>
+            <a:r>
+              <a:rPr lang="es-ES" u="sng" dirty="0"/>
+              <a:t>#prestamo</a:t>
+            </a:r>
+            <a:r>
+              <a:rPr lang="es-ES" dirty="0"/>
+              <a:t>)</a:t>
+            </a:r>
+          </a:p>
+          <a:p>
+            <a:r>
+              <a:rPr lang="es-ES" dirty="0"/>
+              <a:t>Tiene (</a:t>
+            </a:r>
+            <a:r>
+              <a:rPr lang="es-ES" u="sng" dirty="0"/>
+              <a:t>#socio</a:t>
+            </a:r>
+            <a:r>
+              <a:rPr lang="es-ES" dirty="0"/>
+              <a:t>, </a:t>
+            </a:r>
+            <a:r>
+              <a:rPr lang="es-ES" u="sng" dirty="0"/>
+              <a:t>#días</a:t>
+            </a:r>
+            <a:r>
+              <a:rPr lang="es-ES" dirty="0"/>
+              <a:t>)</a:t>
+            </a:r>
+          </a:p>
+        </p:txBody>
+      </p:sp>
+      <p:sp>
+        <p:nvSpPr>
+          <p:cNvPr id="7" name="Rectángulo 6">
+            <a:extLst>
+              <a:ext uri="{FF2B5EF4-FFF2-40B4-BE49-F238E27FC236}">
+                <a16:creationId xmlns:a16="http://schemas.microsoft.com/office/drawing/2014/main" id="{C84F00B1-6D18-B3B7-E3C2-85C0F56B86EC}"/>
+              </a:ext>
+            </a:extLst>
+          </p:cNvPr>
+          <p:cNvSpPr/>
+          <p:nvPr/>
+        </p:nvSpPr>
+        <p:spPr>
+          <a:xfrm>
+            <a:off x="6554093" y="147639"/>
+            <a:ext cx="1268361" cy="369332"/>
+          </a:xfrm>
+          <a:prstGeom prst="rect">
+            <a:avLst/>
+          </a:prstGeom>
+        </p:spPr>
+        <p:style>
+          <a:lnRef idx="2">
+            <a:schemeClr val="accent1">
+              <a:shade val="15000"/>
+            </a:schemeClr>
+          </a:lnRef>
+          <a:fillRef idx="1">
+            <a:schemeClr val="accent1"/>
+          </a:fillRef>
+          <a:effectRef idx="0">
+            <a:schemeClr val="accent1"/>
+          </a:effectRef>
+          <a:fontRef idx="minor">
+            <a:schemeClr val="lt1"/>
+          </a:fontRef>
+        </p:style>
+        <p:txBody>
+          <a:bodyPr rtlCol="0" anchor="ctr"/>
+          <a:lstStyle/>
+          <a:p>
+            <a:pPr algn="ctr"/>
+            <a:r>
+              <a:rPr lang="es-ES" sz="1400" dirty="0"/>
+              <a:t>ENTIDADES</a:t>
+            </a:r>
+            <a:endParaRPr lang="es-ES" dirty="0"/>
+          </a:p>
+        </p:txBody>
+      </p:sp>
+      <p:sp>
+        <p:nvSpPr>
+          <p:cNvPr id="8" name="Rombo 7">
+            <a:extLst>
+              <a:ext uri="{FF2B5EF4-FFF2-40B4-BE49-F238E27FC236}">
+                <a16:creationId xmlns:a16="http://schemas.microsoft.com/office/drawing/2014/main" id="{C4E8BDC6-1909-AEE2-490B-D7BC1AE03CCE}"/>
+              </a:ext>
+            </a:extLst>
+          </p:cNvPr>
+          <p:cNvSpPr/>
+          <p:nvPr/>
+        </p:nvSpPr>
+        <p:spPr>
+          <a:xfrm>
+            <a:off x="6554093" y="3030331"/>
+            <a:ext cx="2015613" cy="599767"/>
+          </a:xfrm>
+          <a:prstGeom prst="diamond">
+            <a:avLst/>
+          </a:prstGeom>
+        </p:spPr>
+        <p:style>
+          <a:lnRef idx="2">
+            <a:schemeClr val="accent1">
+              <a:shade val="15000"/>
+            </a:schemeClr>
+          </a:lnRef>
+          <a:fillRef idx="1">
+            <a:schemeClr val="accent1"/>
+          </a:fillRef>
+          <a:effectRef idx="0">
+            <a:schemeClr val="accent1"/>
+          </a:effectRef>
+          <a:fontRef idx="minor">
+            <a:schemeClr val="lt1"/>
+          </a:fontRef>
+        </p:style>
+        <p:txBody>
+          <a:bodyPr rtlCol="0" anchor="ctr"/>
+          <a:lstStyle/>
+          <a:p>
+            <a:pPr algn="ctr"/>
+            <a:r>
+              <a:rPr lang="es-ES" sz="1100" dirty="0"/>
+              <a:t>RELACIONES</a:t>
+            </a:r>
+          </a:p>
+        </p:txBody>
+      </p:sp>
+      <p:pic>
+        <p:nvPicPr>
+          <p:cNvPr id="3" name="Imagen 2">
+            <a:extLst>
+              <a:ext uri="{FF2B5EF4-FFF2-40B4-BE49-F238E27FC236}">
+                <a16:creationId xmlns:a16="http://schemas.microsoft.com/office/drawing/2014/main" id="{23207905-3E8A-740E-748C-99CF5B6E26FE}"/>
+              </a:ext>
+            </a:extLst>
+          </p:cNvPr>
+          <p:cNvPicPr>
+            <a:picLocks noChangeAspect="1"/>
+          </p:cNvPicPr>
+          <p:nvPr/>
+        </p:nvPicPr>
+        <p:blipFill>
+          <a:blip r:embed="rId2"/>
+          <a:stretch>
+            <a:fillRect/>
+          </a:stretch>
+        </p:blipFill>
+        <p:spPr>
+          <a:xfrm>
+            <a:off x="94116" y="147639"/>
+            <a:ext cx="6340389" cy="4930567"/>
+          </a:xfrm>
+          <a:prstGeom prst="rect">
+            <a:avLst/>
+          </a:prstGeom>
+          <a:ln>
+            <a:solidFill>
+              <a:schemeClr val="accent1"/>
+            </a:solidFill>
+          </a:ln>
+        </p:spPr>
+      </p:pic>
+    </p:spTree>
+    <p:extLst>
+      <p:ext uri="{BB962C8B-B14F-4D97-AF65-F5344CB8AC3E}">
+        <p14:creationId xmlns:p14="http://schemas.microsoft.com/office/powerpoint/2010/main" val="102391630"/>
+      </p:ext>
+    </p:extLst>
+  </p:cSld>
+  <p:clrMapOvr>
+    <a:masterClrMapping/>
+  </p:clrMapOvr>
+</p:sld>
+</file>
+
+<file path=ppt/slides/slide6.xml><?xml version="1.0" encoding="utf-8"?>
+<p:sld xmlns:a="http://schemas.openxmlformats.org/drawingml/2006/main" xmlns:r="http://schemas.openxmlformats.org/officeDocument/2006/relationships" xmlns:p="http://schemas.openxmlformats.org/presentationml/2006/main">
+  <p:cSld>
+    <p:spTree>
+      <p:nvGrpSpPr>
+        <p:cNvPr id="1" name=""/>
+        <p:cNvGrpSpPr/>
+        <p:nvPr/>
+      </p:nvGrpSpPr>
+      <p:grpSpPr>
+        <a:xfrm>
+          <a:off x="0" y="0"/>
+          <a:ext cx="0" cy="0"/>
+          <a:chOff x="0" y="0"/>
+          <a:chExt cx="0" cy="0"/>
+        </a:xfrm>
+      </p:grpSpPr>
+      <p:sp>
+        <p:nvSpPr>
+          <p:cNvPr id="5" name="CuadroTexto 4">
+            <a:extLst>
+              <a:ext uri="{FF2B5EF4-FFF2-40B4-BE49-F238E27FC236}">
+                <a16:creationId xmlns:a16="http://schemas.microsoft.com/office/drawing/2014/main" id="{F4512FEC-F3A2-2CD3-2304-9BD798AA9278}"/>
+              </a:ext>
+            </a:extLst>
+          </p:cNvPr>
+          <p:cNvSpPr txBox="1"/>
+          <p:nvPr/>
+        </p:nvSpPr>
+        <p:spPr>
+          <a:xfrm>
+            <a:off x="6475435" y="623585"/>
+            <a:ext cx="3692678" cy="1477328"/>
+          </a:xfrm>
+          <a:prstGeom prst="rect">
+            <a:avLst/>
+          </a:prstGeom>
+          <a:noFill/>
+        </p:spPr>
+        <p:txBody>
+          <a:bodyPr wrap="none" rtlCol="0">
+            <a:spAutoFit/>
+          </a:bodyPr>
+          <a:lstStyle/>
+          <a:p>
+            <a:r>
+              <a:rPr lang="es-ES" dirty="0"/>
+              <a:t>Cliente (</a:t>
+            </a:r>
+            <a:r>
+              <a:rPr lang="es-ES" u="sng" dirty="0"/>
+              <a:t>cod_cliente</a:t>
+            </a:r>
+            <a:r>
+              <a:rPr lang="es-ES" dirty="0"/>
+              <a:t>, …)</a:t>
+            </a:r>
+          </a:p>
+          <a:p>
+            <a:r>
+              <a:rPr lang="es-ES" dirty="0"/>
+              <a:t>Pedido (</a:t>
+            </a:r>
+            <a:r>
+              <a:rPr lang="es-ES" u="sng" dirty="0"/>
+              <a:t>cod_pedido</a:t>
+            </a:r>
+            <a:r>
+              <a:rPr lang="es-ES" dirty="0"/>
+              <a:t>, fecha_pedido)</a:t>
+            </a:r>
+          </a:p>
+          <a:p>
+            <a:r>
+              <a:rPr lang="es-ES" dirty="0"/>
+              <a:t>Proveedor (</a:t>
+            </a:r>
+            <a:r>
+              <a:rPr lang="es-ES" u="sng" dirty="0"/>
+              <a:t>cod_proveedor</a:t>
+            </a:r>
+            <a:r>
+              <a:rPr lang="es-ES" dirty="0"/>
+              <a:t>, …)</a:t>
+            </a:r>
+          </a:p>
+          <a:p>
+            <a:r>
+              <a:rPr lang="es-ES" dirty="0"/>
+              <a:t>Producto (</a:t>
+            </a:r>
+            <a:r>
+              <a:rPr lang="es-ES" u="sng" dirty="0"/>
+              <a:t>cod_producto</a:t>
+            </a:r>
+            <a:r>
+              <a:rPr lang="es-ES" dirty="0"/>
+              <a:t>, qty)</a:t>
+            </a:r>
+          </a:p>
+          <a:p>
+            <a:endParaRPr lang="es-ES" dirty="0"/>
+          </a:p>
+        </p:txBody>
+      </p:sp>
+      <p:sp>
+        <p:nvSpPr>
+          <p:cNvPr id="6" name="CuadroTexto 5">
+            <a:extLst>
+              <a:ext uri="{FF2B5EF4-FFF2-40B4-BE49-F238E27FC236}">
+                <a16:creationId xmlns:a16="http://schemas.microsoft.com/office/drawing/2014/main" id="{9E2D9CA4-EE8A-E80D-BA1F-680F99EFFAA5}"/>
+              </a:ext>
+            </a:extLst>
+          </p:cNvPr>
+          <p:cNvSpPr txBox="1"/>
+          <p:nvPr/>
+        </p:nvSpPr>
+        <p:spPr>
+          <a:xfrm>
+            <a:off x="6554093" y="3764670"/>
+            <a:ext cx="4668779" cy="1200329"/>
+          </a:xfrm>
+          <a:prstGeom prst="rect">
+            <a:avLst/>
+          </a:prstGeom>
+          <a:noFill/>
+        </p:spPr>
+        <p:txBody>
+          <a:bodyPr wrap="none" rtlCol="0">
+            <a:spAutoFit/>
+          </a:bodyPr>
+          <a:lstStyle/>
+          <a:p>
+            <a:r>
+              <a:rPr lang="es-ES" dirty="0"/>
+              <a:t>Realiza (</a:t>
+            </a:r>
+            <a:r>
+              <a:rPr lang="es-ES" u="sng" dirty="0"/>
+              <a:t>cod_cliente</a:t>
+            </a:r>
+            <a:r>
+              <a:rPr lang="es-ES" dirty="0"/>
+              <a:t>, </a:t>
+            </a:r>
+            <a:r>
+              <a:rPr lang="es-ES" u="sng" dirty="0"/>
+              <a:t>cod_pedido</a:t>
+            </a:r>
+            <a:r>
+              <a:rPr lang="es-ES" dirty="0"/>
+              <a:t>)</a:t>
+            </a:r>
+          </a:p>
+          <a:p>
+            <a:r>
+              <a:rPr lang="es-ES" dirty="0"/>
+              <a:t>Es_De (</a:t>
+            </a:r>
+            <a:r>
+              <a:rPr lang="es-ES" u="sng" dirty="0"/>
+              <a:t>cod_producto</a:t>
+            </a:r>
+            <a:r>
+              <a:rPr lang="es-ES" dirty="0"/>
+              <a:t>, </a:t>
+            </a:r>
+            <a:r>
+              <a:rPr lang="es-ES" u="sng" dirty="0"/>
+              <a:t>cod_pedido</a:t>
+            </a:r>
+            <a:r>
+              <a:rPr lang="es-ES" dirty="0"/>
+              <a:t>, #ud)</a:t>
+            </a:r>
+          </a:p>
+          <a:p>
+            <a:r>
+              <a:rPr lang="es-ES" dirty="0"/>
+              <a:t>Encarga ( </a:t>
+            </a:r>
+            <a:r>
+              <a:rPr lang="es-ES" u="sng" dirty="0"/>
+              <a:t>cod_producto</a:t>
+            </a:r>
+            <a:r>
+              <a:rPr lang="es-ES" dirty="0"/>
+              <a:t>, </a:t>
+            </a:r>
+            <a:r>
+              <a:rPr lang="es-ES" u="sng" dirty="0"/>
+              <a:t>cod_proveedor</a:t>
+            </a:r>
+            <a:r>
+              <a:rPr lang="es-ES" dirty="0"/>
+              <a:t>, uds,</a:t>
+            </a:r>
+          </a:p>
+          <a:p>
+            <a:r>
+              <a:rPr lang="es-ES" dirty="0"/>
+              <a:t>	fecha_encargo)</a:t>
+            </a:r>
+          </a:p>
+        </p:txBody>
+      </p:sp>
+      <p:sp>
+        <p:nvSpPr>
+          <p:cNvPr id="7" name="Rectángulo 6">
+            <a:extLst>
+              <a:ext uri="{FF2B5EF4-FFF2-40B4-BE49-F238E27FC236}">
+                <a16:creationId xmlns:a16="http://schemas.microsoft.com/office/drawing/2014/main" id="{C84F00B1-6D18-B3B7-E3C2-85C0F56B86EC}"/>
+              </a:ext>
+            </a:extLst>
+          </p:cNvPr>
+          <p:cNvSpPr/>
+          <p:nvPr/>
+        </p:nvSpPr>
+        <p:spPr>
+          <a:xfrm>
+            <a:off x="6554093" y="147639"/>
+            <a:ext cx="1268361" cy="369332"/>
+          </a:xfrm>
+          <a:prstGeom prst="rect">
+            <a:avLst/>
+          </a:prstGeom>
+        </p:spPr>
+        <p:style>
+          <a:lnRef idx="2">
+            <a:schemeClr val="accent1">
+              <a:shade val="15000"/>
+            </a:schemeClr>
+          </a:lnRef>
+          <a:fillRef idx="1">
+            <a:schemeClr val="accent1"/>
+          </a:fillRef>
+          <a:effectRef idx="0">
+            <a:schemeClr val="accent1"/>
+          </a:effectRef>
+          <a:fontRef idx="minor">
+            <a:schemeClr val="lt1"/>
+          </a:fontRef>
+        </p:style>
+        <p:txBody>
+          <a:bodyPr rtlCol="0" anchor="ctr"/>
+          <a:lstStyle/>
+          <a:p>
+            <a:pPr algn="ctr"/>
+            <a:r>
+              <a:rPr lang="es-ES" sz="1400" dirty="0"/>
+              <a:t>ENTIDADES</a:t>
+            </a:r>
+            <a:endParaRPr lang="es-ES" dirty="0"/>
+          </a:p>
+        </p:txBody>
+      </p:sp>
+      <p:sp>
+        <p:nvSpPr>
+          <p:cNvPr id="8" name="Rombo 7">
+            <a:extLst>
+              <a:ext uri="{FF2B5EF4-FFF2-40B4-BE49-F238E27FC236}">
+                <a16:creationId xmlns:a16="http://schemas.microsoft.com/office/drawing/2014/main" id="{C4E8BDC6-1909-AEE2-490B-D7BC1AE03CCE}"/>
+              </a:ext>
+            </a:extLst>
+          </p:cNvPr>
+          <p:cNvSpPr/>
+          <p:nvPr/>
+        </p:nvSpPr>
+        <p:spPr>
+          <a:xfrm>
+            <a:off x="6554093" y="3030331"/>
+            <a:ext cx="2015613" cy="599767"/>
+          </a:xfrm>
+          <a:prstGeom prst="diamond">
+            <a:avLst/>
+          </a:prstGeom>
+        </p:spPr>
+        <p:style>
+          <a:lnRef idx="2">
+            <a:schemeClr val="accent1">
+              <a:shade val="15000"/>
+            </a:schemeClr>
+          </a:lnRef>
+          <a:fillRef idx="1">
+            <a:schemeClr val="accent1"/>
+          </a:fillRef>
+          <a:effectRef idx="0">
+            <a:schemeClr val="accent1"/>
+          </a:effectRef>
+          <a:fontRef idx="minor">
+            <a:schemeClr val="lt1"/>
+          </a:fontRef>
+        </p:style>
+        <p:txBody>
+          <a:bodyPr rtlCol="0" anchor="ctr"/>
+          <a:lstStyle/>
+          <a:p>
+            <a:pPr algn="ctr"/>
+            <a:r>
+              <a:rPr lang="es-ES" sz="1100" dirty="0"/>
+              <a:t>RELACIONES</a:t>
+            </a:r>
+          </a:p>
+        </p:txBody>
+      </p:sp>
+      <p:pic>
+        <p:nvPicPr>
+          <p:cNvPr id="4" name="Imagen 3">
+            <a:extLst>
+              <a:ext uri="{FF2B5EF4-FFF2-40B4-BE49-F238E27FC236}">
+                <a16:creationId xmlns:a16="http://schemas.microsoft.com/office/drawing/2014/main" id="{CEF94A18-5E6F-A88D-AB8D-D61D10BCC822}"/>
+              </a:ext>
+            </a:extLst>
+          </p:cNvPr>
+          <p:cNvPicPr>
+            <a:picLocks noChangeAspect="1"/>
+          </p:cNvPicPr>
+          <p:nvPr/>
+        </p:nvPicPr>
+        <p:blipFill>
+          <a:blip r:embed="rId2"/>
+          <a:stretch>
+            <a:fillRect/>
+          </a:stretch>
+        </p:blipFill>
+        <p:spPr>
+          <a:xfrm>
+            <a:off x="201683" y="258169"/>
+            <a:ext cx="5984629" cy="4706830"/>
+          </a:xfrm>
+          <a:prstGeom prst="rect">
+            <a:avLst/>
+          </a:prstGeom>
+          <a:ln>
+            <a:solidFill>
+              <a:schemeClr val="accent1"/>
+            </a:solidFill>
+          </a:ln>
+        </p:spPr>
+      </p:pic>
+    </p:spTree>
+    <p:extLst>
+      <p:ext uri="{BB962C8B-B14F-4D97-AF65-F5344CB8AC3E}">
+        <p14:creationId xmlns:p14="http://schemas.microsoft.com/office/powerpoint/2010/main" val="3630573442"/>
+      </p:ext>
+    </p:extLst>
+  </p:cSld>
+  <p:clrMapOvr>
+    <a:masterClrMapping/>
+  </p:clrMapOvr>
+</p:sld>
+</file>
+
+<file path=ppt/slides/slide7.xml><?xml version="1.0" encoding="utf-8"?>
+<p:sld xmlns:a="http://schemas.openxmlformats.org/drawingml/2006/main" xmlns:r="http://schemas.openxmlformats.org/officeDocument/2006/relationships" xmlns:p="http://schemas.openxmlformats.org/presentationml/2006/main">
+  <p:cSld>
+    <p:spTree>
+      <p:nvGrpSpPr>
+        <p:cNvPr id="1" name=""/>
+        <p:cNvGrpSpPr/>
+        <p:nvPr/>
+      </p:nvGrpSpPr>
+      <p:grpSpPr>
+        <a:xfrm>
+          <a:off x="0" y="0"/>
+          <a:ext cx="0" cy="0"/>
+          <a:chOff x="0" y="0"/>
+          <a:chExt cx="0" cy="0"/>
+        </a:xfrm>
+      </p:grpSpPr>
+      <p:sp>
+        <p:nvSpPr>
+          <p:cNvPr id="5" name="CuadroTexto 4">
+            <a:extLst>
+              <a:ext uri="{FF2B5EF4-FFF2-40B4-BE49-F238E27FC236}">
+                <a16:creationId xmlns:a16="http://schemas.microsoft.com/office/drawing/2014/main" id="{F4512FEC-F3A2-2CD3-2304-9BD798AA9278}"/>
+              </a:ext>
+            </a:extLst>
+          </p:cNvPr>
+          <p:cNvSpPr txBox="1"/>
+          <p:nvPr/>
+        </p:nvSpPr>
+        <p:spPr>
+          <a:xfrm>
+            <a:off x="6475435" y="623585"/>
+            <a:ext cx="5114029" cy="1200329"/>
+          </a:xfrm>
+          <a:prstGeom prst="rect">
+            <a:avLst/>
+          </a:prstGeom>
+          <a:noFill/>
+        </p:spPr>
+        <p:txBody>
+          <a:bodyPr wrap="none" rtlCol="0">
+            <a:spAutoFit/>
+          </a:bodyPr>
+          <a:lstStyle/>
+          <a:p>
+            <a:r>
+              <a:rPr lang="es-ES" dirty="0"/>
+              <a:t>Arrendatario (NIF, </a:t>
+            </a:r>
+            <a:r>
+              <a:rPr lang="es-ES" dirty="0" err="1"/>
+              <a:t>nom_fiscal</a:t>
+            </a:r>
+            <a:r>
+              <a:rPr lang="es-ES" dirty="0"/>
+              <a:t>, </a:t>
+            </a:r>
+            <a:r>
+              <a:rPr lang="es-ES" dirty="0" err="1"/>
+              <a:t>nom_firmante</a:t>
+            </a:r>
+            <a:r>
+              <a:rPr lang="es-ES" dirty="0"/>
+              <a:t>,…)</a:t>
+            </a:r>
+          </a:p>
+          <a:p>
+            <a:r>
+              <a:rPr lang="es-ES" dirty="0"/>
+              <a:t>Nave (</a:t>
+            </a:r>
+            <a:r>
+              <a:rPr lang="es-ES" dirty="0" err="1"/>
+              <a:t>cod_nave</a:t>
+            </a:r>
+            <a:r>
+              <a:rPr lang="es-ES" dirty="0"/>
+              <a:t>, </a:t>
+            </a:r>
+            <a:r>
+              <a:rPr lang="es-ES" dirty="0" err="1"/>
+              <a:t>plígono</a:t>
+            </a:r>
+            <a:r>
+              <a:rPr lang="es-ES" dirty="0"/>
+              <a:t>, calle, </a:t>
+            </a:r>
+            <a:r>
+              <a:rPr lang="es-ES" dirty="0" err="1"/>
+              <a:t>num</a:t>
+            </a:r>
+            <a:r>
+              <a:rPr lang="es-ES" dirty="0"/>
+              <a:t>, localidad,…)</a:t>
+            </a:r>
+          </a:p>
+          <a:p>
+            <a:r>
+              <a:rPr lang="es-ES" dirty="0"/>
+              <a:t>Recibo (#recibo, </a:t>
+            </a:r>
+            <a:r>
+              <a:rPr lang="es-ES" dirty="0" err="1"/>
+              <a:t>importe_total</a:t>
+            </a:r>
+            <a:r>
+              <a:rPr lang="es-ES" dirty="0"/>
+              <a:t>, </a:t>
+            </a:r>
+            <a:r>
+              <a:rPr lang="es-ES" dirty="0" err="1"/>
+              <a:t>importe_IVA</a:t>
+            </a:r>
+            <a:r>
+              <a:rPr lang="es-ES" dirty="0"/>
+              <a:t>,…)</a:t>
+            </a:r>
+          </a:p>
+          <a:p>
+            <a:endParaRPr lang="es-ES" dirty="0"/>
+          </a:p>
+        </p:txBody>
+      </p:sp>
+      <p:sp>
+        <p:nvSpPr>
+          <p:cNvPr id="7" name="Rectángulo 6">
+            <a:extLst>
+              <a:ext uri="{FF2B5EF4-FFF2-40B4-BE49-F238E27FC236}">
+                <a16:creationId xmlns:a16="http://schemas.microsoft.com/office/drawing/2014/main" id="{C84F00B1-6D18-B3B7-E3C2-85C0F56B86EC}"/>
+              </a:ext>
+            </a:extLst>
+          </p:cNvPr>
+          <p:cNvSpPr/>
+          <p:nvPr/>
+        </p:nvSpPr>
+        <p:spPr>
+          <a:xfrm>
+            <a:off x="6554093" y="147639"/>
+            <a:ext cx="1268361" cy="369332"/>
+          </a:xfrm>
+          <a:prstGeom prst="rect">
+            <a:avLst/>
+          </a:prstGeom>
+        </p:spPr>
+        <p:style>
+          <a:lnRef idx="2">
+            <a:schemeClr val="accent1">
+              <a:shade val="15000"/>
+            </a:schemeClr>
+          </a:lnRef>
+          <a:fillRef idx="1">
+            <a:schemeClr val="accent1"/>
+          </a:fillRef>
+          <a:effectRef idx="0">
+            <a:schemeClr val="accent1"/>
+          </a:effectRef>
+          <a:fontRef idx="minor">
+            <a:schemeClr val="lt1"/>
+          </a:fontRef>
+        </p:style>
+        <p:txBody>
+          <a:bodyPr rtlCol="0" anchor="ctr"/>
+          <a:lstStyle/>
+          <a:p>
+            <a:pPr algn="ctr"/>
+            <a:r>
+              <a:rPr lang="es-ES" sz="1400" dirty="0"/>
+              <a:t>ENTIDADES</a:t>
+            </a:r>
+            <a:endParaRPr lang="es-ES" dirty="0"/>
+          </a:p>
+        </p:txBody>
+      </p:sp>
+      <p:sp>
+        <p:nvSpPr>
+          <p:cNvPr id="8" name="Rombo 7">
+            <a:extLst>
+              <a:ext uri="{FF2B5EF4-FFF2-40B4-BE49-F238E27FC236}">
+                <a16:creationId xmlns:a16="http://schemas.microsoft.com/office/drawing/2014/main" id="{C4E8BDC6-1909-AEE2-490B-D7BC1AE03CCE}"/>
+              </a:ext>
+            </a:extLst>
+          </p:cNvPr>
+          <p:cNvSpPr/>
+          <p:nvPr/>
+        </p:nvSpPr>
+        <p:spPr>
+          <a:xfrm>
+            <a:off x="6554093" y="3030331"/>
+            <a:ext cx="2015613" cy="599767"/>
+          </a:xfrm>
+          <a:prstGeom prst="diamond">
+            <a:avLst/>
+          </a:prstGeom>
+        </p:spPr>
+        <p:style>
+          <a:lnRef idx="2">
+            <a:schemeClr val="accent1">
+              <a:shade val="15000"/>
+            </a:schemeClr>
+          </a:lnRef>
+          <a:fillRef idx="1">
+            <a:schemeClr val="accent1"/>
+          </a:fillRef>
+          <a:effectRef idx="0">
+            <a:schemeClr val="accent1"/>
+          </a:effectRef>
+          <a:fontRef idx="minor">
+            <a:schemeClr val="lt1"/>
+          </a:fontRef>
+        </p:style>
+        <p:txBody>
+          <a:bodyPr rtlCol="0" anchor="ctr"/>
+          <a:lstStyle/>
+          <a:p>
+            <a:pPr algn="ctr"/>
+            <a:r>
+              <a:rPr lang="es-ES" sz="1100" dirty="0"/>
+              <a:t>RELACIONES</a:t>
+            </a:r>
+          </a:p>
+        </p:txBody>
+      </p:sp>
+      <p:pic>
+        <p:nvPicPr>
+          <p:cNvPr id="3" name="Imagen 2">
+            <a:extLst>
+              <a:ext uri="{FF2B5EF4-FFF2-40B4-BE49-F238E27FC236}">
+                <a16:creationId xmlns:a16="http://schemas.microsoft.com/office/drawing/2014/main" id="{E556BDD3-1460-8708-A40E-E61DBBC2FCE8}"/>
+              </a:ext>
+            </a:extLst>
+          </p:cNvPr>
+          <p:cNvPicPr>
+            <a:picLocks noChangeAspect="1"/>
+          </p:cNvPicPr>
+          <p:nvPr/>
+        </p:nvPicPr>
+        <p:blipFill>
+          <a:blip r:embed="rId2"/>
+          <a:stretch>
+            <a:fillRect/>
+          </a:stretch>
+        </p:blipFill>
+        <p:spPr>
+          <a:xfrm>
+            <a:off x="117987" y="208627"/>
+            <a:ext cx="6284711" cy="3894751"/>
+          </a:xfrm>
+          <a:prstGeom prst="rect">
+            <a:avLst/>
+          </a:prstGeom>
+          <a:ln>
+            <a:solidFill>
+              <a:schemeClr val="accent1"/>
+            </a:solidFill>
+          </a:ln>
+        </p:spPr>
+      </p:pic>
+      <p:sp>
+        <p:nvSpPr>
+          <p:cNvPr id="2" name="CuadroTexto 1">
+            <a:extLst>
+              <a:ext uri="{FF2B5EF4-FFF2-40B4-BE49-F238E27FC236}">
+                <a16:creationId xmlns:a16="http://schemas.microsoft.com/office/drawing/2014/main" id="{7AD8E422-5377-24FC-E73C-024E2F202FD1}"/>
+              </a:ext>
+            </a:extLst>
+          </p:cNvPr>
+          <p:cNvSpPr txBox="1"/>
+          <p:nvPr/>
+        </p:nvSpPr>
+        <p:spPr>
+          <a:xfrm>
+            <a:off x="6554093" y="3764670"/>
+            <a:ext cx="989373" cy="369332"/>
+          </a:xfrm>
+          <a:prstGeom prst="rect">
+            <a:avLst/>
+          </a:prstGeom>
+          <a:noFill/>
+        </p:spPr>
+        <p:txBody>
+          <a:bodyPr wrap="none" rtlCol="0">
+            <a:spAutoFit/>
+          </a:bodyPr>
+          <a:lstStyle/>
+          <a:p>
+            <a:r>
+              <a:rPr lang="es-ES" dirty="0"/>
+              <a:t>Alquila (</a:t>
+            </a:r>
+          </a:p>
+        </p:txBody>
+      </p:sp>
+    </p:spTree>
+    <p:extLst>
+      <p:ext uri="{BB962C8B-B14F-4D97-AF65-F5344CB8AC3E}">
+        <p14:creationId xmlns:p14="http://schemas.microsoft.com/office/powerpoint/2010/main" val="4273667912"/>
+      </p:ext>
+    </p:extLst>
+  </p:cSld>
+  <p:clrMapOvr>
+    <a:masterClrMapping/>
+  </p:clrMapOvr>
+</p:sld>
+</file>
+
+<file path=ppt/slides/slide8.xml><?xml version="1.0" encoding="utf-8"?>
+<p:sld xmlns:a="http://schemas.openxmlformats.org/drawingml/2006/main" xmlns:r="http://schemas.openxmlformats.org/officeDocument/2006/relationships" xmlns:p="http://schemas.openxmlformats.org/presentationml/2006/main">
+  <p:cSld>
+    <p:spTree>
+      <p:nvGrpSpPr>
+        <p:cNvPr id="1" name=""/>
+        <p:cNvGrpSpPr/>
+        <p:nvPr/>
+      </p:nvGrpSpPr>
+      <p:grpSpPr>
+        <a:xfrm>
+          <a:off x="0" y="0"/>
+          <a:ext cx="0" cy="0"/>
+          <a:chOff x="0" y="0"/>
+          <a:chExt cx="0" cy="0"/>
+        </a:xfrm>
+      </p:grpSpPr>
+      <p:sp>
+        <p:nvSpPr>
+          <p:cNvPr id="5" name="CuadroTexto 4">
+            <a:extLst>
+              <a:ext uri="{FF2B5EF4-FFF2-40B4-BE49-F238E27FC236}">
+                <a16:creationId xmlns:a16="http://schemas.microsoft.com/office/drawing/2014/main" id="{F4512FEC-F3A2-2CD3-2304-9BD798AA9278}"/>
+              </a:ext>
+            </a:extLst>
+          </p:cNvPr>
+          <p:cNvSpPr txBox="1"/>
+          <p:nvPr/>
+        </p:nvSpPr>
+        <p:spPr>
+          <a:xfrm>
+            <a:off x="6475435" y="623585"/>
+            <a:ext cx="308098" cy="646331"/>
+          </a:xfrm>
+          <a:prstGeom prst="rect">
+            <a:avLst/>
+          </a:prstGeom>
+          <a:noFill/>
+        </p:spPr>
+        <p:txBody>
+          <a:bodyPr wrap="none" rtlCol="0">
+            <a:spAutoFit/>
+          </a:bodyPr>
+          <a:lstStyle/>
+          <a:p>
+            <a:r>
+              <a:rPr lang="es-ES" dirty="0"/>
+              <a:t>a</a:t>
+            </a:r>
+          </a:p>
+          <a:p>
+            <a:endParaRPr lang="es-ES" dirty="0"/>
+          </a:p>
+        </p:txBody>
+      </p:sp>
+      <p:sp>
+        <p:nvSpPr>
+          <p:cNvPr id="6" name="CuadroTexto 5">
+            <a:extLst>
+              <a:ext uri="{FF2B5EF4-FFF2-40B4-BE49-F238E27FC236}">
+                <a16:creationId xmlns:a16="http://schemas.microsoft.com/office/drawing/2014/main" id="{9E2D9CA4-EE8A-E80D-BA1F-680F99EFFAA5}"/>
+              </a:ext>
+            </a:extLst>
+          </p:cNvPr>
+          <p:cNvSpPr txBox="1"/>
+          <p:nvPr/>
+        </p:nvSpPr>
+        <p:spPr>
+          <a:xfrm>
+            <a:off x="6554093" y="3764670"/>
+            <a:ext cx="308098" cy="369332"/>
+          </a:xfrm>
+          <a:prstGeom prst="rect">
+            <a:avLst/>
+          </a:prstGeom>
+          <a:noFill/>
+        </p:spPr>
+        <p:txBody>
+          <a:bodyPr wrap="none" rtlCol="0">
+            <a:spAutoFit/>
+          </a:bodyPr>
+          <a:lstStyle/>
+          <a:p>
+            <a:r>
+              <a:rPr lang="es-ES" dirty="0"/>
+              <a:t>a</a:t>
+            </a:r>
+          </a:p>
+        </p:txBody>
+      </p:sp>
+      <p:sp>
+        <p:nvSpPr>
+          <p:cNvPr id="7" name="Rectángulo 6">
+            <a:extLst>
+              <a:ext uri="{FF2B5EF4-FFF2-40B4-BE49-F238E27FC236}">
+                <a16:creationId xmlns:a16="http://schemas.microsoft.com/office/drawing/2014/main" id="{C84F00B1-6D18-B3B7-E3C2-85C0F56B86EC}"/>
+              </a:ext>
+            </a:extLst>
+          </p:cNvPr>
+          <p:cNvSpPr/>
+          <p:nvPr/>
+        </p:nvSpPr>
+        <p:spPr>
+          <a:xfrm>
+            <a:off x="6554093" y="147639"/>
+            <a:ext cx="1268361" cy="369332"/>
+          </a:xfrm>
+          <a:prstGeom prst="rect">
+            <a:avLst/>
+          </a:prstGeom>
+        </p:spPr>
+        <p:style>
+          <a:lnRef idx="2">
+            <a:schemeClr val="accent1">
+              <a:shade val="15000"/>
+            </a:schemeClr>
+          </a:lnRef>
+          <a:fillRef idx="1">
+            <a:schemeClr val="accent1"/>
+          </a:fillRef>
+          <a:effectRef idx="0">
+            <a:schemeClr val="accent1"/>
+          </a:effectRef>
+          <a:fontRef idx="minor">
+            <a:schemeClr val="lt1"/>
+          </a:fontRef>
+        </p:style>
+        <p:txBody>
+          <a:bodyPr rtlCol="0" anchor="ctr"/>
+          <a:lstStyle/>
+          <a:p>
+            <a:pPr algn="ctr"/>
+            <a:r>
+              <a:rPr lang="es-ES" sz="1400" dirty="0"/>
+              <a:t>ENTIDADES</a:t>
+            </a:r>
+            <a:endParaRPr lang="es-ES" dirty="0"/>
+          </a:p>
+        </p:txBody>
+      </p:sp>
+      <p:sp>
+        <p:nvSpPr>
+          <p:cNvPr id="8" name="Rombo 7">
+            <a:extLst>
+              <a:ext uri="{FF2B5EF4-FFF2-40B4-BE49-F238E27FC236}">
+                <a16:creationId xmlns:a16="http://schemas.microsoft.com/office/drawing/2014/main" id="{C4E8BDC6-1909-AEE2-490B-D7BC1AE03CCE}"/>
+              </a:ext>
+            </a:extLst>
+          </p:cNvPr>
+          <p:cNvSpPr/>
+          <p:nvPr/>
+        </p:nvSpPr>
+        <p:spPr>
+          <a:xfrm>
+            <a:off x="6554093" y="3030331"/>
+            <a:ext cx="2015613" cy="599767"/>
+          </a:xfrm>
+          <a:prstGeom prst="diamond">
+            <a:avLst/>
+          </a:prstGeom>
+        </p:spPr>
+        <p:style>
+          <a:lnRef idx="2">
+            <a:schemeClr val="accent1">
+              <a:shade val="15000"/>
+            </a:schemeClr>
+          </a:lnRef>
+          <a:fillRef idx="1">
+            <a:schemeClr val="accent1"/>
+          </a:fillRef>
+          <a:effectRef idx="0">
+            <a:schemeClr val="accent1"/>
+          </a:effectRef>
+          <a:fontRef idx="minor">
+            <a:schemeClr val="lt1"/>
+          </a:fontRef>
+        </p:style>
+        <p:txBody>
+          <a:bodyPr rtlCol="0" anchor="ctr"/>
+          <a:lstStyle/>
+          <a:p>
+            <a:pPr algn="ctr"/>
+            <a:r>
+              <a:rPr lang="es-ES" sz="1100" dirty="0"/>
+              <a:t>RELACIONES</a:t>
+            </a:r>
+          </a:p>
+        </p:txBody>
+      </p:sp>
+      <p:pic>
+        <p:nvPicPr>
+          <p:cNvPr id="4" name="Imagen 3">
+            <a:extLst>
+              <a:ext uri="{FF2B5EF4-FFF2-40B4-BE49-F238E27FC236}">
+                <a16:creationId xmlns:a16="http://schemas.microsoft.com/office/drawing/2014/main" id="{F722F17F-93CD-6C71-A760-ADA9082AC6BD}"/>
+              </a:ext>
+            </a:extLst>
+          </p:cNvPr>
+          <p:cNvPicPr>
+            <a:picLocks noChangeAspect="1"/>
+          </p:cNvPicPr>
+          <p:nvPr/>
+        </p:nvPicPr>
+        <p:blipFill>
+          <a:blip r:embed="rId2"/>
+          <a:stretch>
+            <a:fillRect/>
+          </a:stretch>
+        </p:blipFill>
+        <p:spPr>
+          <a:xfrm>
+            <a:off x="124556" y="147639"/>
+            <a:ext cx="6350880" cy="5656517"/>
+          </a:xfrm>
+          <a:prstGeom prst="rect">
+            <a:avLst/>
+          </a:prstGeom>
+          <a:ln>
+            <a:solidFill>
+              <a:schemeClr val="accent1"/>
+            </a:solidFill>
+          </a:ln>
+        </p:spPr>
+      </p:pic>
+    </p:spTree>
+    <p:extLst>
+      <p:ext uri="{BB962C8B-B14F-4D97-AF65-F5344CB8AC3E}">
+        <p14:creationId xmlns:p14="http://schemas.microsoft.com/office/powerpoint/2010/main" val="3357802054"/>
       </p:ext>
     </p:extLst>
   </p:cSld>

--- a/[JAVA]/C3/TA13/ta13.pptx
+++ b/[JAVA]/C3/TA13/ta13.pptx
@@ -6,13 +6,14 @@
   </p:sldMasterIdLst>
   <p:sldIdLst>
     <p:sldId id="256" r:id="rId2"/>
-    <p:sldId id="257" r:id="rId3"/>
-    <p:sldId id="258" r:id="rId4"/>
-    <p:sldId id="259" r:id="rId5"/>
-    <p:sldId id="260" r:id="rId6"/>
-    <p:sldId id="261" r:id="rId7"/>
-    <p:sldId id="262" r:id="rId8"/>
-    <p:sldId id="263" r:id="rId9"/>
+    <p:sldId id="264" r:id="rId3"/>
+    <p:sldId id="257" r:id="rId4"/>
+    <p:sldId id="258" r:id="rId5"/>
+    <p:sldId id="259" r:id="rId6"/>
+    <p:sldId id="260" r:id="rId7"/>
+    <p:sldId id="261" r:id="rId8"/>
+    <p:sldId id="262" r:id="rId9"/>
+    <p:sldId id="263" r:id="rId10"/>
   </p:sldIdLst>
   <p:sldSz cx="12192000" cy="6858000"/>
   <p:notesSz cx="6858000" cy="9144000"/>
@@ -3335,10 +3336,11 @@
       </p:grpSpPr>
       <p:pic>
         <p:nvPicPr>
-          <p:cNvPr id="3" name="Imagen 2">
-            <a:extLst>
-              <a:ext uri="{FF2B5EF4-FFF2-40B4-BE49-F238E27FC236}">
-                <a16:creationId xmlns:a16="http://schemas.microsoft.com/office/drawing/2014/main" id="{6E081E52-737D-AF1F-FA60-B87E73F2F50C}"/>
+          <p:cNvPr id="9" name="Imagen 8">
+            <a:hlinkClick r:id="rId2"/>
+            <a:extLst>
+              <a:ext uri="{FF2B5EF4-FFF2-40B4-BE49-F238E27FC236}">
+                <a16:creationId xmlns:a16="http://schemas.microsoft.com/office/drawing/2014/main" id="{957BD16F-9D6E-A654-D5DD-87A0180F6515}"/>
               </a:ext>
             </a:extLst>
           </p:cNvPr>
@@ -3348,211 +3350,51 @@
           <p:nvPr/>
         </p:nvPicPr>
         <p:blipFill>
-          <a:blip r:embed="rId2"/>
+          <a:blip r:embed="rId3"/>
           <a:stretch>
             <a:fillRect/>
           </a:stretch>
         </p:blipFill>
         <p:spPr>
           <a:xfrm>
-            <a:off x="164700" y="190219"/>
-            <a:ext cx="5471634" cy="3238781"/>
-          </a:xfrm>
-          <a:prstGeom prst="rect">
-            <a:avLst/>
-          </a:prstGeom>
-          <a:ln>
-            <a:solidFill>
-              <a:schemeClr val="tx1"/>
-            </a:solidFill>
-          </a:ln>
-        </p:spPr>
-      </p:pic>
-      <p:sp>
-        <p:nvSpPr>
-          <p:cNvPr id="4" name="CuadroTexto 3">
-            <a:extLst>
-              <a:ext uri="{FF2B5EF4-FFF2-40B4-BE49-F238E27FC236}">
-                <a16:creationId xmlns:a16="http://schemas.microsoft.com/office/drawing/2014/main" id="{66ECC71C-A005-9E99-9C4B-D2DCAE522AF2}"/>
-              </a:ext>
-            </a:extLst>
-          </p:cNvPr>
-          <p:cNvSpPr txBox="1"/>
-          <p:nvPr/>
-        </p:nvSpPr>
-        <p:spPr>
-          <a:xfrm>
-            <a:off x="6096000" y="751249"/>
-            <a:ext cx="2630720" cy="369332"/>
-          </a:xfrm>
-          <a:prstGeom prst="rect">
-            <a:avLst/>
-          </a:prstGeom>
-          <a:noFill/>
-        </p:spPr>
-        <p:txBody>
-          <a:bodyPr wrap="none" rtlCol="0">
-            <a:spAutoFit/>
-          </a:bodyPr>
-          <a:lstStyle/>
-          <a:p>
-            <a:r>
-              <a:rPr lang="es-ES" dirty="0"/>
-              <a:t>Atleta (</a:t>
-            </a:r>
-            <a:r>
-              <a:rPr lang="es-ES" u="sng" dirty="0"/>
-              <a:t>#dorsal</a:t>
-            </a:r>
-            <a:r>
-              <a:rPr lang="es-ES" dirty="0"/>
-              <a:t>, Nombre)</a:t>
-            </a:r>
-          </a:p>
-        </p:txBody>
-      </p:sp>
-      <p:sp>
-        <p:nvSpPr>
-          <p:cNvPr id="5" name="CuadroTexto 4">
-            <a:extLst>
-              <a:ext uri="{FF2B5EF4-FFF2-40B4-BE49-F238E27FC236}">
-                <a16:creationId xmlns:a16="http://schemas.microsoft.com/office/drawing/2014/main" id="{BF69204C-AA70-5109-D8D2-9978B60F31C1}"/>
-              </a:ext>
-            </a:extLst>
-          </p:cNvPr>
-          <p:cNvSpPr txBox="1"/>
-          <p:nvPr/>
-        </p:nvSpPr>
-        <p:spPr>
-          <a:xfrm>
-            <a:off x="6096000" y="2170160"/>
-            <a:ext cx="4776692" cy="369332"/>
-          </a:xfrm>
-          <a:prstGeom prst="rect">
-            <a:avLst/>
-          </a:prstGeom>
-          <a:noFill/>
-        </p:spPr>
-        <p:txBody>
-          <a:bodyPr wrap="none" rtlCol="0">
-            <a:spAutoFit/>
-          </a:bodyPr>
-          <a:lstStyle/>
-          <a:p>
-            <a:r>
-              <a:rPr lang="es-ES" dirty="0"/>
-              <a:t>Da_relevo_a </a:t>
-            </a:r>
-            <a:r>
-              <a:rPr lang="es-ES" u="sng" dirty="0"/>
-              <a:t>(#dorsal origen</a:t>
-            </a:r>
-            <a:r>
-              <a:rPr lang="es-ES" dirty="0"/>
-              <a:t>, #dorsal destino)</a:t>
-            </a:r>
-          </a:p>
-        </p:txBody>
-      </p:sp>
-      <p:sp>
-        <p:nvSpPr>
-          <p:cNvPr id="6" name="Rectángulo 5">
-            <a:extLst>
-              <a:ext uri="{FF2B5EF4-FFF2-40B4-BE49-F238E27FC236}">
-                <a16:creationId xmlns:a16="http://schemas.microsoft.com/office/drawing/2014/main" id="{BDE92297-83A2-D03F-12DC-4729F6BC434C}"/>
-              </a:ext>
-            </a:extLst>
-          </p:cNvPr>
-          <p:cNvSpPr/>
-          <p:nvPr/>
-        </p:nvSpPr>
-        <p:spPr>
-          <a:xfrm>
-            <a:off x="6174658" y="275303"/>
-            <a:ext cx="1268361" cy="369332"/>
+            <a:off x="4939589" y="2037648"/>
+            <a:ext cx="2544766" cy="3800907"/>
           </a:xfrm>
           <a:prstGeom prst="rect">
             <a:avLst/>
           </a:prstGeom>
         </p:spPr>
-        <p:style>
-          <a:lnRef idx="2">
-            <a:schemeClr val="accent1">
-              <a:shade val="15000"/>
-            </a:schemeClr>
-          </a:lnRef>
-          <a:fillRef idx="1">
-            <a:schemeClr val="accent1"/>
-          </a:fillRef>
-          <a:effectRef idx="0">
-            <a:schemeClr val="accent1"/>
-          </a:effectRef>
-          <a:fontRef idx="minor">
-            <a:schemeClr val="lt1"/>
-          </a:fontRef>
-        </p:style>
-        <p:txBody>
-          <a:bodyPr rtlCol="0" anchor="ctr"/>
-          <a:lstStyle/>
-          <a:p>
-            <a:pPr algn="ctr"/>
-            <a:r>
-              <a:rPr lang="es-ES" sz="1400" dirty="0"/>
-              <a:t>ENTIDADES</a:t>
-            </a:r>
-            <a:endParaRPr lang="es-ES" dirty="0"/>
-          </a:p>
-        </p:txBody>
-      </p:sp>
-      <p:sp>
-        <p:nvSpPr>
-          <p:cNvPr id="7" name="Rombo 6">
-            <a:extLst>
-              <a:ext uri="{FF2B5EF4-FFF2-40B4-BE49-F238E27FC236}">
-                <a16:creationId xmlns:a16="http://schemas.microsoft.com/office/drawing/2014/main" id="{ADAD36E5-81F3-A641-A00F-BCEEA9E567C3}"/>
-              </a:ext>
-            </a:extLst>
-          </p:cNvPr>
-          <p:cNvSpPr/>
+      </p:pic>
+      <p:pic>
+        <p:nvPicPr>
+          <p:cNvPr id="11" name="Imagen 10">
+            <a:extLst>
+              <a:ext uri="{FF2B5EF4-FFF2-40B4-BE49-F238E27FC236}">
+                <a16:creationId xmlns:a16="http://schemas.microsoft.com/office/drawing/2014/main" id="{7A7A7882-EC0D-75EC-A4F6-F8E05CEC1670}"/>
+              </a:ext>
+            </a:extLst>
+          </p:cNvPr>
+          <p:cNvPicPr>
+            <a:picLocks noChangeAspect="1"/>
+          </p:cNvPicPr>
           <p:nvPr/>
-        </p:nvSpPr>
+        </p:nvPicPr>
+        <p:blipFill>
+          <a:blip r:embed="rId4"/>
+          <a:stretch>
+            <a:fillRect/>
+          </a:stretch>
+        </p:blipFill>
         <p:spPr>
           <a:xfrm>
-            <a:off x="6096000" y="1435821"/>
-            <a:ext cx="2015613" cy="599767"/>
+            <a:off x="2156129" y="403462"/>
+            <a:ext cx="7879742" cy="884564"/>
           </a:xfrm>
-          <a:prstGeom prst="diamond">
+          <a:prstGeom prst="rect">
             <a:avLst/>
           </a:prstGeom>
         </p:spPr>
-        <p:style>
-          <a:lnRef idx="2">
-            <a:schemeClr val="accent1">
-              <a:shade val="15000"/>
-            </a:schemeClr>
-          </a:lnRef>
-          <a:fillRef idx="1">
-            <a:schemeClr val="accent1"/>
-          </a:fillRef>
-          <a:effectRef idx="0">
-            <a:schemeClr val="accent1"/>
-          </a:effectRef>
-          <a:fontRef idx="minor">
-            <a:schemeClr val="lt1"/>
-          </a:fontRef>
-        </p:style>
-        <p:txBody>
-          <a:bodyPr rtlCol="0" anchor="ctr"/>
-          <a:lstStyle/>
-          <a:p>
-            <a:pPr algn="ctr"/>
-            <a:r>
-              <a:rPr lang="es-ES" sz="1100" dirty="0"/>
-              <a:t>RELACIONES</a:t>
-            </a:r>
-          </a:p>
-        </p:txBody>
-      </p:sp>
+      </p:pic>
     </p:spTree>
     <p:extLst>
       <p:ext uri="{BB962C8B-B14F-4D97-AF65-F5344CB8AC3E}">
@@ -3585,6 +3427,256 @@
       </p:grpSpPr>
       <p:pic>
         <p:nvPicPr>
+          <p:cNvPr id="3" name="Imagen 2">
+            <a:extLst>
+              <a:ext uri="{FF2B5EF4-FFF2-40B4-BE49-F238E27FC236}">
+                <a16:creationId xmlns:a16="http://schemas.microsoft.com/office/drawing/2014/main" id="{6E081E52-737D-AF1F-FA60-B87E73F2F50C}"/>
+              </a:ext>
+            </a:extLst>
+          </p:cNvPr>
+          <p:cNvPicPr>
+            <a:picLocks noChangeAspect="1"/>
+          </p:cNvPicPr>
+          <p:nvPr/>
+        </p:nvPicPr>
+        <p:blipFill>
+          <a:blip r:embed="rId2"/>
+          <a:stretch>
+            <a:fillRect/>
+          </a:stretch>
+        </p:blipFill>
+        <p:spPr>
+          <a:xfrm>
+            <a:off x="164700" y="190219"/>
+            <a:ext cx="5471634" cy="3238781"/>
+          </a:xfrm>
+          <a:prstGeom prst="rect">
+            <a:avLst/>
+          </a:prstGeom>
+          <a:ln>
+            <a:solidFill>
+              <a:schemeClr val="tx1"/>
+            </a:solidFill>
+          </a:ln>
+        </p:spPr>
+      </p:pic>
+      <p:sp>
+        <p:nvSpPr>
+          <p:cNvPr id="4" name="CuadroTexto 3">
+            <a:extLst>
+              <a:ext uri="{FF2B5EF4-FFF2-40B4-BE49-F238E27FC236}">
+                <a16:creationId xmlns:a16="http://schemas.microsoft.com/office/drawing/2014/main" id="{66ECC71C-A005-9E99-9C4B-D2DCAE522AF2}"/>
+              </a:ext>
+            </a:extLst>
+          </p:cNvPr>
+          <p:cNvSpPr txBox="1"/>
+          <p:nvPr/>
+        </p:nvSpPr>
+        <p:spPr>
+          <a:xfrm>
+            <a:off x="6096000" y="751249"/>
+            <a:ext cx="2630720" cy="369332"/>
+          </a:xfrm>
+          <a:prstGeom prst="rect">
+            <a:avLst/>
+          </a:prstGeom>
+          <a:noFill/>
+        </p:spPr>
+        <p:txBody>
+          <a:bodyPr wrap="none" rtlCol="0">
+            <a:spAutoFit/>
+          </a:bodyPr>
+          <a:lstStyle/>
+          <a:p>
+            <a:r>
+              <a:rPr lang="es-ES" dirty="0"/>
+              <a:t>Atleta (</a:t>
+            </a:r>
+            <a:r>
+              <a:rPr lang="es-ES" u="sng" dirty="0"/>
+              <a:t>#dorsal</a:t>
+            </a:r>
+            <a:r>
+              <a:rPr lang="es-ES" dirty="0"/>
+              <a:t>, Nombre)</a:t>
+            </a:r>
+          </a:p>
+        </p:txBody>
+      </p:sp>
+      <p:sp>
+        <p:nvSpPr>
+          <p:cNvPr id="5" name="CuadroTexto 4">
+            <a:extLst>
+              <a:ext uri="{FF2B5EF4-FFF2-40B4-BE49-F238E27FC236}">
+                <a16:creationId xmlns:a16="http://schemas.microsoft.com/office/drawing/2014/main" id="{BF69204C-AA70-5109-D8D2-9978B60F31C1}"/>
+              </a:ext>
+            </a:extLst>
+          </p:cNvPr>
+          <p:cNvSpPr txBox="1"/>
+          <p:nvPr/>
+        </p:nvSpPr>
+        <p:spPr>
+          <a:xfrm>
+            <a:off x="6096000" y="2170160"/>
+            <a:ext cx="4776692" cy="369332"/>
+          </a:xfrm>
+          <a:prstGeom prst="rect">
+            <a:avLst/>
+          </a:prstGeom>
+          <a:noFill/>
+        </p:spPr>
+        <p:txBody>
+          <a:bodyPr wrap="none" rtlCol="0">
+            <a:spAutoFit/>
+          </a:bodyPr>
+          <a:lstStyle/>
+          <a:p>
+            <a:r>
+              <a:rPr lang="es-ES" dirty="0"/>
+              <a:t>Da_relevo_a </a:t>
+            </a:r>
+            <a:r>
+              <a:rPr lang="es-ES" u="sng" dirty="0"/>
+              <a:t>(#dorsal origen</a:t>
+            </a:r>
+            <a:r>
+              <a:rPr lang="es-ES" dirty="0"/>
+              <a:t>, #dorsal destino)</a:t>
+            </a:r>
+          </a:p>
+        </p:txBody>
+      </p:sp>
+      <p:sp>
+        <p:nvSpPr>
+          <p:cNvPr id="6" name="Rectángulo 5">
+            <a:extLst>
+              <a:ext uri="{FF2B5EF4-FFF2-40B4-BE49-F238E27FC236}">
+                <a16:creationId xmlns:a16="http://schemas.microsoft.com/office/drawing/2014/main" id="{BDE92297-83A2-D03F-12DC-4729F6BC434C}"/>
+              </a:ext>
+            </a:extLst>
+          </p:cNvPr>
+          <p:cNvSpPr/>
+          <p:nvPr/>
+        </p:nvSpPr>
+        <p:spPr>
+          <a:xfrm>
+            <a:off x="6174658" y="275303"/>
+            <a:ext cx="1268361" cy="369332"/>
+          </a:xfrm>
+          <a:prstGeom prst="rect">
+            <a:avLst/>
+          </a:prstGeom>
+        </p:spPr>
+        <p:style>
+          <a:lnRef idx="2">
+            <a:schemeClr val="accent1">
+              <a:shade val="15000"/>
+            </a:schemeClr>
+          </a:lnRef>
+          <a:fillRef idx="1">
+            <a:schemeClr val="accent1"/>
+          </a:fillRef>
+          <a:effectRef idx="0">
+            <a:schemeClr val="accent1"/>
+          </a:effectRef>
+          <a:fontRef idx="minor">
+            <a:schemeClr val="lt1"/>
+          </a:fontRef>
+        </p:style>
+        <p:txBody>
+          <a:bodyPr rtlCol="0" anchor="ctr"/>
+          <a:lstStyle/>
+          <a:p>
+            <a:pPr algn="ctr"/>
+            <a:r>
+              <a:rPr lang="es-ES" sz="1400" dirty="0"/>
+              <a:t>ENTIDADES</a:t>
+            </a:r>
+            <a:endParaRPr lang="es-ES" dirty="0"/>
+          </a:p>
+        </p:txBody>
+      </p:sp>
+      <p:sp>
+        <p:nvSpPr>
+          <p:cNvPr id="7" name="Rombo 6">
+            <a:extLst>
+              <a:ext uri="{FF2B5EF4-FFF2-40B4-BE49-F238E27FC236}">
+                <a16:creationId xmlns:a16="http://schemas.microsoft.com/office/drawing/2014/main" id="{ADAD36E5-81F3-A641-A00F-BCEEA9E567C3}"/>
+              </a:ext>
+            </a:extLst>
+          </p:cNvPr>
+          <p:cNvSpPr/>
+          <p:nvPr/>
+        </p:nvSpPr>
+        <p:spPr>
+          <a:xfrm>
+            <a:off x="6096000" y="1435821"/>
+            <a:ext cx="2015613" cy="599767"/>
+          </a:xfrm>
+          <a:prstGeom prst="diamond">
+            <a:avLst/>
+          </a:prstGeom>
+        </p:spPr>
+        <p:style>
+          <a:lnRef idx="2">
+            <a:schemeClr val="accent1">
+              <a:shade val="15000"/>
+            </a:schemeClr>
+          </a:lnRef>
+          <a:fillRef idx="1">
+            <a:schemeClr val="accent1"/>
+          </a:fillRef>
+          <a:effectRef idx="0">
+            <a:schemeClr val="accent1"/>
+          </a:effectRef>
+          <a:fontRef idx="minor">
+            <a:schemeClr val="lt1"/>
+          </a:fontRef>
+        </p:style>
+        <p:txBody>
+          <a:bodyPr rtlCol="0" anchor="ctr"/>
+          <a:lstStyle/>
+          <a:p>
+            <a:pPr algn="ctr"/>
+            <a:r>
+              <a:rPr lang="es-ES" sz="1100" dirty="0"/>
+              <a:t>RELACIONES</a:t>
+            </a:r>
+          </a:p>
+        </p:txBody>
+      </p:sp>
+    </p:spTree>
+    <p:extLst>
+      <p:ext uri="{BB962C8B-B14F-4D97-AF65-F5344CB8AC3E}">
+        <p14:creationId xmlns:p14="http://schemas.microsoft.com/office/powerpoint/2010/main" val="743247290"/>
+      </p:ext>
+    </p:extLst>
+  </p:cSld>
+  <p:clrMapOvr>
+    <a:masterClrMapping/>
+  </p:clrMapOvr>
+</p:sld>
+</file>
+
+<file path=ppt/slides/slide3.xml><?xml version="1.0" encoding="utf-8"?>
+<p:sld xmlns:a="http://schemas.openxmlformats.org/drawingml/2006/main" xmlns:r="http://schemas.openxmlformats.org/officeDocument/2006/relationships" xmlns:p="http://schemas.openxmlformats.org/presentationml/2006/main">
+  <p:cSld>
+    <p:spTree>
+      <p:nvGrpSpPr>
+        <p:cNvPr id="1" name=""/>
+        <p:cNvGrpSpPr/>
+        <p:nvPr/>
+      </p:nvGrpSpPr>
+      <p:grpSpPr>
+        <a:xfrm>
+          <a:off x="0" y="0"/>
+          <a:ext cx="0" cy="0"/>
+          <a:chOff x="0" y="0"/>
+          <a:chExt cx="0" cy="0"/>
+        </a:xfrm>
+      </p:grpSpPr>
+      <p:pic>
+        <p:nvPicPr>
           <p:cNvPr id="4" name="Imagen 3">
             <a:extLst>
               <a:ext uri="{FF2B5EF4-FFF2-40B4-BE49-F238E27FC236}">
@@ -3666,7 +3758,11 @@
             </a:r>
             <a:r>
               <a:rPr lang="es-ES" u="sng" dirty="0"/>
-              <a:t>(nom_compuesto</a:t>
+              <a:t>(</a:t>
+            </a:r>
+            <a:r>
+              <a:rPr lang="es-ES" u="sng" dirty="0" err="1"/>
+              <a:t>nom_compuesto</a:t>
             </a:r>
             <a:r>
               <a:rPr lang="es-ES" dirty="0"/>
@@ -3680,7 +3776,11 @@
             </a:r>
             <a:r>
               <a:rPr lang="es-ES" u="sng" dirty="0"/>
-              <a:t>(nom_compuesto</a:t>
+              <a:t>(</a:t>
+            </a:r>
+            <a:r>
+              <a:rPr lang="es-ES" u="sng" dirty="0" err="1"/>
+              <a:t>nom_compuesto</a:t>
             </a:r>
             <a:r>
               <a:rPr lang="es-ES" dirty="0"/>
@@ -3694,7 +3794,11 @@
             </a:r>
             <a:r>
               <a:rPr lang="es-ES" u="sng" dirty="0"/>
-              <a:t>(nom_compuesto</a:t>
+              <a:t>(</a:t>
+            </a:r>
+            <a:r>
+              <a:rPr lang="es-ES" u="sng" dirty="0" err="1"/>
+              <a:t>nom_compuesto</a:t>
             </a:r>
             <a:r>
               <a:rPr lang="es-ES" dirty="0"/>
@@ -3744,7 +3848,7 @@
               <a:t>, </a:t>
             </a:r>
             <a:r>
-              <a:rPr lang="es-ES" u="sng" dirty="0"/>
+              <a:rPr lang="es-ES" u="sng" dirty="0" err="1"/>
               <a:t>nom_compuesto</a:t>
             </a:r>
             <a:r>
@@ -3866,7 +3970,7 @@
 </p:sld>
 </file>
 
-<file path=ppt/slides/slide3.xml><?xml version="1.0" encoding="utf-8"?>
+<file path=ppt/slides/slide4.xml><?xml version="1.0" encoding="utf-8"?>
 <p:sld xmlns:a="http://schemas.openxmlformats.org/drawingml/2006/main" xmlns:r="http://schemas.openxmlformats.org/officeDocument/2006/relationships" xmlns:p="http://schemas.openxmlformats.org/presentationml/2006/main">
   <p:cSld>
     <p:spTree>
@@ -4196,7 +4300,7 @@
 </p:sld>
 </file>
 
-<file path=ppt/slides/slide4.xml><?xml version="1.0" encoding="utf-8"?>
+<file path=ppt/slides/slide5.xml><?xml version="1.0" encoding="utf-8"?>
 <p:sld xmlns:a="http://schemas.openxmlformats.org/drawingml/2006/main" xmlns:r="http://schemas.openxmlformats.org/officeDocument/2006/relationships" xmlns:p="http://schemas.openxmlformats.org/presentationml/2006/main">
   <p:cSld>
     <p:spTree>
@@ -4672,7 +4776,7 @@
 </p:sld>
 </file>
 
-<file path=ppt/slides/slide5.xml><?xml version="1.0" encoding="utf-8"?>
+<file path=ppt/slides/slide6.xml><?xml version="1.0" encoding="utf-8"?>
 <p:sld xmlns:a="http://schemas.openxmlformats.org/drawingml/2006/main" xmlns:r="http://schemas.openxmlformats.org/officeDocument/2006/relationships" xmlns:p="http://schemas.openxmlformats.org/presentationml/2006/main">
   <p:cSld>
     <p:spTree>
@@ -5085,7 +5189,7 @@
 </p:sld>
 </file>
 
-<file path=ppt/slides/slide6.xml><?xml version="1.0" encoding="utf-8"?>
+<file path=ppt/slides/slide7.xml><?xml version="1.0" encoding="utf-8"?>
 <p:sld xmlns:a="http://schemas.openxmlformats.org/drawingml/2006/main" xmlns:r="http://schemas.openxmlformats.org/officeDocument/2006/relationships" xmlns:p="http://schemas.openxmlformats.org/presentationml/2006/main">
   <p:cSld>
     <p:spTree>
@@ -5438,7 +5542,7 @@
 </p:sld>
 </file>
 
-<file path=ppt/slides/slide7.xml><?xml version="1.0" encoding="utf-8"?>
+<file path=ppt/slides/slide8.xml><?xml version="1.0" encoding="utf-8"?>
 <p:sld xmlns:a="http://schemas.openxmlformats.org/drawingml/2006/main" xmlns:r="http://schemas.openxmlformats.org/officeDocument/2006/relationships" xmlns:p="http://schemas.openxmlformats.org/presentationml/2006/main">
   <p:cSld>
     <p:spTree>
@@ -5485,23 +5589,15 @@
           <a:p>
             <a:r>
               <a:rPr lang="es-ES" dirty="0"/>
-              <a:t>Arrendatario (NIF, </a:t>
-            </a:r>
-            <a:r>
-              <a:rPr lang="es-ES" dirty="0" err="1"/>
-              <a:t>nom_fiscal</a:t>
-            </a:r>
-            <a:r>
-              <a:rPr lang="es-ES" dirty="0"/>
-              <a:t>, </a:t>
-            </a:r>
-            <a:r>
-              <a:rPr lang="es-ES" dirty="0" err="1"/>
-              <a:t>nom_firmante</a:t>
-            </a:r>
-            <a:r>
-              <a:rPr lang="es-ES" dirty="0"/>
-              <a:t>,…)</a:t>
+              <a:t>Arrendatario (</a:t>
+            </a:r>
+            <a:r>
+              <a:rPr lang="es-ES" u="sng" dirty="0"/>
+              <a:t>NIF</a:t>
+            </a:r>
+            <a:r>
+              <a:rPr lang="es-ES" dirty="0"/>
+              <a:t>, nom_fiscal, nom_firmante,…)</a:t>
             </a:r>
           </a:p>
           <a:p>
@@ -5510,50 +5606,26 @@
               <a:t>Nave (</a:t>
             </a:r>
             <a:r>
-              <a:rPr lang="es-ES" dirty="0" err="1"/>
+              <a:rPr lang="es-ES" u="sng" dirty="0"/>
               <a:t>cod_nave</a:t>
             </a:r>
             <a:r>
               <a:rPr lang="es-ES" dirty="0"/>
-              <a:t>, </a:t>
-            </a:r>
-            <a:r>
-              <a:rPr lang="es-ES" dirty="0" err="1"/>
-              <a:t>plígono</a:t>
-            </a:r>
-            <a:r>
-              <a:rPr lang="es-ES" dirty="0"/>
-              <a:t>, calle, </a:t>
-            </a:r>
-            <a:r>
-              <a:rPr lang="es-ES" dirty="0" err="1"/>
-              <a:t>num</a:t>
-            </a:r>
-            <a:r>
-              <a:rPr lang="es-ES" dirty="0"/>
-              <a:t>, localidad,…)</a:t>
-            </a:r>
-          </a:p>
-          <a:p>
-            <a:r>
-              <a:rPr lang="es-ES" dirty="0"/>
-              <a:t>Recibo (#recibo, </a:t>
-            </a:r>
-            <a:r>
-              <a:rPr lang="es-ES" dirty="0" err="1"/>
-              <a:t>importe_total</a:t>
-            </a:r>
-            <a:r>
-              <a:rPr lang="es-ES" dirty="0"/>
-              <a:t>, </a:t>
-            </a:r>
-            <a:r>
-              <a:rPr lang="es-ES" dirty="0" err="1"/>
-              <a:t>importe_IVA</a:t>
-            </a:r>
-            <a:r>
-              <a:rPr lang="es-ES" dirty="0"/>
-              <a:t>,…)</a:t>
+              <a:t>, plígono, calle, num, localidad,…)</a:t>
+            </a:r>
+          </a:p>
+          <a:p>
+            <a:r>
+              <a:rPr lang="es-ES" dirty="0"/>
+              <a:t>Recibo (</a:t>
+            </a:r>
+            <a:r>
+              <a:rPr lang="es-ES" u="sng" dirty="0"/>
+              <a:t>#recibo</a:t>
+            </a:r>
+            <a:r>
+              <a:rPr lang="es-ES" dirty="0"/>
+              <a:t>, importe_total, importe_IVA,…)</a:t>
             </a:r>
           </a:p>
           <a:p>
@@ -5710,7 +5782,7 @@
         <p:spPr>
           <a:xfrm>
             <a:off x="6554093" y="3764670"/>
-            <a:ext cx="989373" cy="369332"/>
+            <a:ext cx="4810869" cy="923330"/>
           </a:xfrm>
           <a:prstGeom prst="rect">
             <a:avLst/>
@@ -5725,7 +5797,51 @@
           <a:p>
             <a:r>
               <a:rPr lang="es-ES" dirty="0"/>
-              <a:t>Alquila (</a:t>
+              <a:t>Alquila (#cuenta, días_pago, fecha_alquiler, …)</a:t>
+            </a:r>
+          </a:p>
+          <a:p>
+            <a:r>
+              <a:rPr lang="es-ES" dirty="0"/>
+              <a:t>Corresponde (</a:t>
+            </a:r>
+            <a:r>
+              <a:rPr lang="es-ES" u="sng" dirty="0"/>
+              <a:t>fk_#recibo</a:t>
+            </a:r>
+            <a:r>
+              <a:rPr lang="es-ES" dirty="0"/>
+              <a:t>, </a:t>
+            </a:r>
+            <a:r>
+              <a:rPr lang="es-ES" u="sng" dirty="0"/>
+              <a:t>fk_cod_nave</a:t>
+            </a:r>
+            <a:r>
+              <a:rPr lang="es-ES" dirty="0"/>
+              <a:t>)</a:t>
+            </a:r>
+          </a:p>
+          <a:p>
+            <a:r>
+              <a:rPr lang="es-ES" dirty="0"/>
+              <a:t>Es_De (</a:t>
+            </a:r>
+            <a:r>
+              <a:rPr lang="es-ES" u="sng" dirty="0"/>
+              <a:t>fk_#recibo</a:t>
+            </a:r>
+            <a:r>
+              <a:rPr lang="es-ES" dirty="0"/>
+              <a:t>, </a:t>
+            </a:r>
+            <a:r>
+              <a:rPr lang="es-ES" u="sng" dirty="0"/>
+              <a:t>fk_NIF</a:t>
+            </a:r>
+            <a:r>
+              <a:rPr lang="es-ES" dirty="0"/>
+              <a:t>)</a:t>
             </a:r>
           </a:p>
         </p:txBody>
@@ -5743,7 +5859,7 @@
 </p:sld>
 </file>
 
-<file path=ppt/slides/slide8.xml><?xml version="1.0" encoding="utf-8"?>
+<file path=ppt/slides/slide9.xml><?xml version="1.0" encoding="utf-8"?>
 <p:sld xmlns:a="http://schemas.openxmlformats.org/drawingml/2006/main" xmlns:r="http://schemas.openxmlformats.org/officeDocument/2006/relationships" xmlns:p="http://schemas.openxmlformats.org/presentationml/2006/main">
   <p:cSld>
     <p:spTree>
@@ -5774,8 +5890,8 @@
         </p:nvSpPr>
         <p:spPr>
           <a:xfrm>
-            <a:off x="6475435" y="623585"/>
-            <a:ext cx="308098" cy="646331"/>
+            <a:off x="6515475" y="623585"/>
+            <a:ext cx="5551969" cy="2308324"/>
           </a:xfrm>
           <a:prstGeom prst="rect">
             <a:avLst/>
@@ -5790,11 +5906,114 @@
           <a:p>
             <a:r>
               <a:rPr lang="es-ES" dirty="0"/>
-              <a:t>a</a:t>
-            </a:r>
-          </a:p>
-          <a:p>
-            <a:endParaRPr lang="es-ES" dirty="0"/>
+              <a:t>Piso (</a:t>
+            </a:r>
+            <a:r>
+              <a:rPr lang="es-ES" u="sng" dirty="0"/>
+              <a:t>puerta</a:t>
+            </a:r>
+            <a:r>
+              <a:rPr lang="es-ES" dirty="0"/>
+              <a:t>, DNI, nom, apellidos, dir, CP, localidad,…)</a:t>
+            </a:r>
+          </a:p>
+          <a:p>
+            <a:r>
+              <a:rPr lang="es-ES" dirty="0"/>
+              <a:t>Cargo (</a:t>
+            </a:r>
+            <a:r>
+              <a:rPr lang="es-ES" u="sng" dirty="0"/>
+              <a:t>cod_cargo</a:t>
+            </a:r>
+            <a:r>
+              <a:rPr lang="es-ES" dirty="0"/>
+              <a:t>, nom, funciones)</a:t>
+            </a:r>
+          </a:p>
+          <a:p>
+            <a:r>
+              <a:rPr lang="es-ES" dirty="0"/>
+              <a:t>Ing_recibido (</a:t>
+            </a:r>
+            <a:r>
+              <a:rPr lang="es-ES" u="sng" dirty="0"/>
+              <a:t>cod_anotación</a:t>
+            </a:r>
+            <a:r>
+              <a:rPr lang="es-ES" dirty="0"/>
+              <a:t>, (…), mes, pagado)</a:t>
+            </a:r>
+          </a:p>
+          <a:p>
+            <a:r>
+              <a:rPr lang="es-ES" dirty="0"/>
+              <a:t>Ing_extra (</a:t>
+            </a:r>
+            <a:r>
+              <a:rPr lang="es-ES" u="sng" dirty="0"/>
+              <a:t>cod_anotación</a:t>
+            </a:r>
+            <a:r>
+              <a:rPr lang="es-ES" dirty="0"/>
+              <a:t>, (…), concepto)</a:t>
+            </a:r>
+          </a:p>
+          <a:p>
+            <a:r>
+              <a:rPr lang="es-ES" dirty="0"/>
+              <a:t>Gasto_fijo (</a:t>
+            </a:r>
+            <a:r>
+              <a:rPr lang="es-ES" u="sng" dirty="0"/>
+              <a:t>cod_anotación</a:t>
+            </a:r>
+            <a:r>
+              <a:rPr lang="es-ES" dirty="0"/>
+              <a:t>, (…), fecha_inicio, …)</a:t>
+            </a:r>
+          </a:p>
+          <a:p>
+            <a:r>
+              <a:rPr lang="es-ES" dirty="0"/>
+              <a:t>Gasto_variable (</a:t>
+            </a:r>
+            <a:r>
+              <a:rPr lang="es-ES" u="sng" dirty="0"/>
+              <a:t>cod_anotación</a:t>
+            </a:r>
+            <a:r>
+              <a:rPr lang="es-ES" dirty="0"/>
+              <a:t>, (…), #factura,…)</a:t>
+            </a:r>
+          </a:p>
+          <a:p>
+            <a:r>
+              <a:rPr lang="es-ES" dirty="0"/>
+              <a:t>Detalle_recibo (</a:t>
+            </a:r>
+            <a:r>
+              <a:rPr lang="es-ES" u="sng" dirty="0"/>
+              <a:t>#linea</a:t>
+            </a:r>
+            <a:r>
+              <a:rPr lang="es-ES" dirty="0"/>
+              <a:t>, concepto, importe)</a:t>
+            </a:r>
+          </a:p>
+          <a:p>
+            <a:r>
+              <a:rPr lang="es-ES" dirty="0"/>
+              <a:t>Tipo_gasto_fijo (</a:t>
+            </a:r>
+            <a:r>
+              <a:rPr lang="es-ES" u="sng" dirty="0"/>
+              <a:t>cod_tipo_gasto</a:t>
+            </a:r>
+            <a:r>
+              <a:rPr lang="es-ES" dirty="0"/>
+              <a:t>, nombre, descripción)</a:t>
+            </a:r>
           </a:p>
         </p:txBody>
       </p:sp>
@@ -5812,8 +6031,8 @@
         </p:nvSpPr>
         <p:spPr>
           <a:xfrm>
-            <a:off x="6554093" y="3764670"/>
-            <a:ext cx="308098" cy="369332"/>
+            <a:off x="6594133" y="4054186"/>
+            <a:ext cx="4688848" cy="1200329"/>
           </a:xfrm>
           <a:prstGeom prst="rect">
             <a:avLst/>
@@ -5828,7 +6047,73 @@
           <a:p>
             <a:r>
               <a:rPr lang="es-ES" dirty="0"/>
-              <a:t>a</a:t>
+              <a:t>Ostenta (fecha posesión)</a:t>
+            </a:r>
+          </a:p>
+          <a:p>
+            <a:r>
+              <a:rPr lang="es-ES" dirty="0"/>
+              <a:t>Realiza (</a:t>
+            </a:r>
+            <a:r>
+              <a:rPr lang="es-ES" u="sng" dirty="0"/>
+              <a:t>fk_puerta</a:t>
+            </a:r>
+            <a:r>
+              <a:rPr lang="es-ES" dirty="0"/>
+              <a:t>, </a:t>
+            </a:r>
+            <a:r>
+              <a:rPr lang="es-ES" u="sng" dirty="0"/>
+              <a:t>fk_cod_anotación</a:t>
+            </a:r>
+            <a:r>
+              <a:rPr lang="es-ES" dirty="0"/>
+              <a:t>)</a:t>
+            </a:r>
+          </a:p>
+          <a:p>
+            <a:r>
+              <a:rPr lang="es-ES" dirty="0"/>
+              <a:t>Tiene (</a:t>
+            </a:r>
+            <a:r>
+              <a:rPr lang="es-ES" u="sng" dirty="0"/>
+              <a:t>fk_cod_anotación</a:t>
+            </a:r>
+            <a:r>
+              <a:rPr lang="es-ES" dirty="0"/>
+              <a:t>, </a:t>
+            </a:r>
+            <a:r>
+              <a:rPr lang="es-ES" u="sng" dirty="0" err="1"/>
+              <a:t>fk_#linea</a:t>
+            </a:r>
+            <a:r>
+              <a:rPr lang="es-ES" dirty="0"/>
+              <a:t>)</a:t>
+            </a:r>
+          </a:p>
+          <a:p>
+            <a:r>
+              <a:rPr lang="es-ES" dirty="0"/>
+              <a:t>Es_De (</a:t>
+            </a:r>
+            <a:r>
+              <a:rPr lang="es-ES" u="sng" dirty="0"/>
+              <a:t>fk_cod_anotación</a:t>
+            </a:r>
+            <a:r>
+              <a:rPr lang="es-ES" dirty="0"/>
+              <a:t>, </a:t>
+            </a:r>
+            <a:r>
+              <a:rPr lang="es-ES" u="sng" dirty="0"/>
+              <a:t>fk_cod_tipo_gasto</a:t>
+            </a:r>
+            <a:r>
+              <a:rPr lang="es-ES" dirty="0"/>
+              <a:t>)</a:t>
             </a:r>
           </a:p>
         </p:txBody>
@@ -5847,7 +6132,7 @@
         </p:nvSpPr>
         <p:spPr>
           <a:xfrm>
-            <a:off x="6554093" y="147639"/>
+            <a:off x="6594133" y="147639"/>
             <a:ext cx="1268361" cy="369332"/>
           </a:xfrm>
           <a:prstGeom prst="rect">
@@ -5897,7 +6182,7 @@
         </p:nvSpPr>
         <p:spPr>
           <a:xfrm>
-            <a:off x="6554093" y="3030331"/>
+            <a:off x="6550781" y="3269753"/>
             <a:ext cx="2015613" cy="599767"/>
           </a:xfrm>
           <a:prstGeom prst="diamond">
